--- a/Presentation1.pptx
+++ b/Presentation1.pptx
@@ -5,7 +5,7 @@
     <p:sldMasterId id="2147483648" r:id="rId1"/>
   </p:sldMasterIdLst>
   <p:notesMasterIdLst>
-    <p:notesMasterId r:id="rId12"/>
+    <p:notesMasterId r:id="rId14"/>
   </p:notesMasterIdLst>
   <p:sldIdLst>
     <p:sldId id="256" r:id="rId2"/>
@@ -17,7 +17,9 @@
     <p:sldId id="272" r:id="rId8"/>
     <p:sldId id="273" r:id="rId9"/>
     <p:sldId id="274" r:id="rId10"/>
-    <p:sldId id="271" r:id="rId11"/>
+    <p:sldId id="275" r:id="rId11"/>
+    <p:sldId id="276" r:id="rId12"/>
+    <p:sldId id="271" r:id="rId13"/>
   </p:sldIdLst>
   <p:sldSz cx="12192000" cy="6858000"/>
   <p:notesSz cx="6858000" cy="9144000"/>
@@ -3293,7 +3295,7 @@
           <a:p>
             <a:fld id="{74DAE8DB-1C26-A14A-9AD8-C1C6F68D573F}" type="datetimeFigureOut">
               <a:rPr lang="en-US" smtClean="0"/>
-              <a:t>3/28/19</a:t>
+              <a:t>3/29/19</a:t>
             </a:fld>
             <a:endParaRPr lang="en-US"/>
           </a:p>
@@ -3791,7 +3793,7 @@
           <a:p>
             <a:fld id="{EBE6CBDD-D283-784F-AAEA-8952CF591243}" type="datetimeFigureOut">
               <a:rPr lang="en-US" smtClean="0"/>
-              <a:t>3/28/19</a:t>
+              <a:t>3/29/19</a:t>
             </a:fld>
             <a:endParaRPr lang="en-US"/>
           </a:p>
@@ -3989,7 +3991,7 @@
           <a:p>
             <a:fld id="{EBE6CBDD-D283-784F-AAEA-8952CF591243}" type="datetimeFigureOut">
               <a:rPr lang="en-US" smtClean="0"/>
-              <a:t>3/28/19</a:t>
+              <a:t>3/29/19</a:t>
             </a:fld>
             <a:endParaRPr lang="en-US"/>
           </a:p>
@@ -4197,7 +4199,7 @@
           <a:p>
             <a:fld id="{EBE6CBDD-D283-784F-AAEA-8952CF591243}" type="datetimeFigureOut">
               <a:rPr lang="en-US" smtClean="0"/>
-              <a:t>3/28/19</a:t>
+              <a:t>3/29/19</a:t>
             </a:fld>
             <a:endParaRPr lang="en-US"/>
           </a:p>
@@ -4395,7 +4397,7 @@
           <a:p>
             <a:fld id="{EBE6CBDD-D283-784F-AAEA-8952CF591243}" type="datetimeFigureOut">
               <a:rPr lang="en-US" smtClean="0"/>
-              <a:t>3/28/19</a:t>
+              <a:t>3/29/19</a:t>
             </a:fld>
             <a:endParaRPr lang="en-US"/>
           </a:p>
@@ -4670,7 +4672,7 @@
           <a:p>
             <a:fld id="{EBE6CBDD-D283-784F-AAEA-8952CF591243}" type="datetimeFigureOut">
               <a:rPr lang="en-US" smtClean="0"/>
-              <a:t>3/28/19</a:t>
+              <a:t>3/29/19</a:t>
             </a:fld>
             <a:endParaRPr lang="en-US"/>
           </a:p>
@@ -4935,7 +4937,7 @@
           <a:p>
             <a:fld id="{EBE6CBDD-D283-784F-AAEA-8952CF591243}" type="datetimeFigureOut">
               <a:rPr lang="en-US" smtClean="0"/>
-              <a:t>3/28/19</a:t>
+              <a:t>3/29/19</a:t>
             </a:fld>
             <a:endParaRPr lang="en-US"/>
           </a:p>
@@ -5347,7 +5349,7 @@
           <a:p>
             <a:fld id="{EBE6CBDD-D283-784F-AAEA-8952CF591243}" type="datetimeFigureOut">
               <a:rPr lang="en-US" smtClean="0"/>
-              <a:t>3/28/19</a:t>
+              <a:t>3/29/19</a:t>
             </a:fld>
             <a:endParaRPr lang="en-US"/>
           </a:p>
@@ -5488,7 +5490,7 @@
           <a:p>
             <a:fld id="{EBE6CBDD-D283-784F-AAEA-8952CF591243}" type="datetimeFigureOut">
               <a:rPr lang="en-US" smtClean="0"/>
-              <a:t>3/28/19</a:t>
+              <a:t>3/29/19</a:t>
             </a:fld>
             <a:endParaRPr lang="en-US"/>
           </a:p>
@@ -5601,7 +5603,7 @@
           <a:p>
             <a:fld id="{EBE6CBDD-D283-784F-AAEA-8952CF591243}" type="datetimeFigureOut">
               <a:rPr lang="en-US" smtClean="0"/>
-              <a:t>3/28/19</a:t>
+              <a:t>3/29/19</a:t>
             </a:fld>
             <a:endParaRPr lang="en-US"/>
           </a:p>
@@ -5912,7 +5914,7 @@
           <a:p>
             <a:fld id="{EBE6CBDD-D283-784F-AAEA-8952CF591243}" type="datetimeFigureOut">
               <a:rPr lang="en-US" smtClean="0"/>
-              <a:t>3/28/19</a:t>
+              <a:t>3/29/19</a:t>
             </a:fld>
             <a:endParaRPr lang="en-US"/>
           </a:p>
@@ -6200,7 +6202,7 @@
           <a:p>
             <a:fld id="{EBE6CBDD-D283-784F-AAEA-8952CF591243}" type="datetimeFigureOut">
               <a:rPr lang="en-US" smtClean="0"/>
-              <a:t>3/28/19</a:t>
+              <a:t>3/29/19</a:t>
             </a:fld>
             <a:endParaRPr lang="en-US"/>
           </a:p>
@@ -6441,7 +6443,7 @@
           <a:p>
             <a:fld id="{EBE6CBDD-D283-784F-AAEA-8952CF591243}" type="datetimeFigureOut">
               <a:rPr lang="en-US" smtClean="0"/>
-              <a:t>3/28/19</a:t>
+              <a:t>3/29/19</a:t>
             </a:fld>
             <a:endParaRPr lang="en-US"/>
           </a:p>
@@ -7036,6 +7038,522 @@
 </file>
 
 <file path=ppt/slides/slide10.xml><?xml version="1.0" encoding="utf-8"?>
+<p:sld xmlns:a="http://schemas.openxmlformats.org/drawingml/2006/main" xmlns:r="http://schemas.openxmlformats.org/officeDocument/2006/relationships" xmlns:p="http://schemas.openxmlformats.org/presentationml/2006/main">
+  <p:cSld>
+    <p:bg>
+      <p:bgPr>
+        <a:solidFill>
+          <a:schemeClr val="bg1"/>
+        </a:solidFill>
+        <a:effectLst/>
+      </p:bgPr>
+    </p:bg>
+    <p:spTree>
+      <p:nvGrpSpPr>
+        <p:cNvPr id="1" name=""/>
+        <p:cNvGrpSpPr/>
+        <p:nvPr/>
+      </p:nvGrpSpPr>
+      <p:grpSpPr>
+        <a:xfrm>
+          <a:off x="0" y="0"/>
+          <a:ext cx="0" cy="0"/>
+          <a:chOff x="0" y="0"/>
+          <a:chExt cx="0" cy="0"/>
+        </a:xfrm>
+      </p:grpSpPr>
+      <p:sp>
+        <p:nvSpPr>
+          <p:cNvPr id="8" name="Rectangle 7">
+            <a:extLst>
+              <a:ext uri="{FF2B5EF4-FFF2-40B4-BE49-F238E27FC236}">
+                <a16:creationId xmlns:a16="http://schemas.microsoft.com/office/drawing/2014/main" id="{8D70B121-56F4-4848-B38B-182089D909FA}"/>
+              </a:ext>
+              <a:ext uri="{C183D7F6-B498-43B3-948B-1728B52AA6E4}">
+                <adec:decorative xmlns:adec="http://schemas.microsoft.com/office/drawing/2017/decorative" val="1"/>
+              </a:ext>
+            </a:extLst>
+          </p:cNvPr>
+          <p:cNvSpPr>
+            <a:spLocks noGrp="1" noRot="1" noChangeAspect="1" noMove="1" noResize="1" noEditPoints="1" noAdjustHandles="1" noChangeArrowheads="1" noChangeShapeType="1" noTextEdit="1"/>
+          </p:cNvSpPr>
+          <p:nvPr>
+            <p:extLst>
+              <p:ext uri="{386F3935-93C4-4BCD-93E2-E3B085C9AB24}">
+                <p16:designElem xmlns:p16="http://schemas.microsoft.com/office/powerpoint/2015/main" val="1"/>
+              </p:ext>
+            </p:extLst>
+          </p:nvPr>
+        </p:nvSpPr>
+        <p:spPr bwMode="ltGray">
+          <a:xfrm>
+            <a:off x="321564" y="320040"/>
+            <a:ext cx="11548872" cy="6217920"/>
+          </a:xfrm>
+          <a:prstGeom prst="rect">
+            <a:avLst/>
+          </a:prstGeom>
+          <a:solidFill>
+            <a:schemeClr val="tx1">
+              <a:alpha val="8000"/>
+            </a:schemeClr>
+          </a:solidFill>
+          <a:ln w="127000" cap="sq" cmpd="thinThick">
+            <a:noFill/>
+          </a:ln>
+        </p:spPr>
+        <p:style>
+          <a:lnRef idx="2">
+            <a:schemeClr val="accent1">
+              <a:shade val="50000"/>
+            </a:schemeClr>
+          </a:lnRef>
+          <a:fillRef idx="1">
+            <a:schemeClr val="accent1"/>
+          </a:fillRef>
+          <a:effectRef idx="0">
+            <a:schemeClr val="accent1"/>
+          </a:effectRef>
+          <a:fontRef idx="minor">
+            <a:schemeClr val="lt1"/>
+          </a:fontRef>
+        </p:style>
+        <p:txBody>
+          <a:bodyPr rtlCol="0" anchor="ctr"/>
+          <a:lstStyle/>
+          <a:p>
+            <a:pPr algn="ctr"/>
+            <a:endParaRPr lang="en-US"/>
+          </a:p>
+        </p:txBody>
+      </p:sp>
+      <p:sp>
+        <p:nvSpPr>
+          <p:cNvPr id="2" name="Title 1">
+            <a:extLst>
+              <a:ext uri="{FF2B5EF4-FFF2-40B4-BE49-F238E27FC236}">
+                <a16:creationId xmlns:a16="http://schemas.microsoft.com/office/drawing/2014/main" id="{37CB80A0-6431-DC48-A0E1-B356EEB67D94}"/>
+              </a:ext>
+            </a:extLst>
+          </p:cNvPr>
+          <p:cNvSpPr>
+            <a:spLocks noGrp="1"/>
+          </p:cNvSpPr>
+          <p:nvPr>
+            <p:ph type="title"/>
+          </p:nvPr>
+        </p:nvSpPr>
+        <p:spPr>
+          <a:xfrm>
+            <a:off x="838200" y="963877"/>
+            <a:ext cx="3494362" cy="4930246"/>
+          </a:xfrm>
+        </p:spPr>
+        <p:txBody>
+          <a:bodyPr>
+            <a:normAutofit/>
+          </a:bodyPr>
+          <a:lstStyle/>
+          <a:p>
+            <a:pPr algn="r"/>
+            <a:r>
+              <a:rPr lang="en-US">
+                <a:solidFill>
+                  <a:schemeClr val="accent1"/>
+                </a:solidFill>
+              </a:rPr>
+              <a:t>Mono</a:t>
+            </a:r>
+          </a:p>
+        </p:txBody>
+      </p:sp>
+      <p:cxnSp>
+        <p:nvCxnSpPr>
+          <p:cNvPr id="10" name="Straight Connector 9">
+            <a:extLst>
+              <a:ext uri="{FF2B5EF4-FFF2-40B4-BE49-F238E27FC236}">
+                <a16:creationId xmlns:a16="http://schemas.microsoft.com/office/drawing/2014/main" id="{2D72A2C9-F3CA-4216-8BAD-FA4C970C3C4E}"/>
+              </a:ext>
+              <a:ext uri="{C183D7F6-B498-43B3-948B-1728B52AA6E4}">
+                <adec:decorative xmlns:adec="http://schemas.microsoft.com/office/drawing/2017/decorative" val="1"/>
+              </a:ext>
+            </a:extLst>
+          </p:cNvPr>
+          <p:cNvCxnSpPr>
+            <a:cxnSpLocks noGrp="1" noRot="1" noChangeAspect="1" noMove="1" noResize="1" noEditPoints="1" noAdjustHandles="1" noChangeArrowheads="1" noChangeShapeType="1"/>
+          </p:cNvCxnSpPr>
+          <p:nvPr>
+            <p:extLst>
+              <p:ext uri="{386F3935-93C4-4BCD-93E2-E3B085C9AB24}">
+                <p16:designElem xmlns:p16="http://schemas.microsoft.com/office/powerpoint/2015/main" val="1"/>
+              </p:ext>
+            </p:extLst>
+          </p:nvPr>
+        </p:nvCxnSpPr>
+        <p:spPr>
+          <a:xfrm>
+            <a:off x="4654296" y="2057400"/>
+            <a:ext cx="0" cy="2743200"/>
+          </a:xfrm>
+          <a:prstGeom prst="line">
+            <a:avLst/>
+          </a:prstGeom>
+          <a:ln w="19050">
+            <a:solidFill>
+              <a:schemeClr val="tx1">
+                <a:lumMod val="85000"/>
+                <a:lumOff val="15000"/>
+              </a:schemeClr>
+            </a:solidFill>
+          </a:ln>
+        </p:spPr>
+        <p:style>
+          <a:lnRef idx="1">
+            <a:schemeClr val="accent1"/>
+          </a:lnRef>
+          <a:fillRef idx="0">
+            <a:schemeClr val="accent1"/>
+          </a:fillRef>
+          <a:effectRef idx="0">
+            <a:schemeClr val="accent1"/>
+          </a:effectRef>
+          <a:fontRef idx="minor">
+            <a:schemeClr val="tx1"/>
+          </a:fontRef>
+        </p:style>
+      </p:cxnSp>
+      <p:sp>
+        <p:nvSpPr>
+          <p:cNvPr id="3" name="Content Placeholder 2">
+            <a:extLst>
+              <a:ext uri="{FF2B5EF4-FFF2-40B4-BE49-F238E27FC236}">
+                <a16:creationId xmlns:a16="http://schemas.microsoft.com/office/drawing/2014/main" id="{DCA5F698-A938-154F-9721-F7D9283D15B9}"/>
+              </a:ext>
+            </a:extLst>
+          </p:cNvPr>
+          <p:cNvSpPr>
+            <a:spLocks noGrp="1"/>
+          </p:cNvSpPr>
+          <p:nvPr>
+            <p:ph idx="1"/>
+          </p:nvPr>
+        </p:nvSpPr>
+        <p:spPr>
+          <a:xfrm>
+            <a:off x="4976031" y="963877"/>
+            <a:ext cx="6377769" cy="4930246"/>
+          </a:xfrm>
+        </p:spPr>
+        <p:txBody>
+          <a:bodyPr anchor="ctr">
+            <a:normAutofit/>
+          </a:bodyPr>
+          <a:lstStyle/>
+          <a:p>
+            <a:r>
+              <a:rPr lang="en-US" sz="2400" dirty="0"/>
+              <a:t>In this project, we’re going to use the mono interpreter for C#</a:t>
+            </a:r>
+          </a:p>
+          <a:p>
+            <a:r>
+              <a:rPr lang="en-US" sz="2400" dirty="0"/>
+              <a:t>Takes a while to install</a:t>
+            </a:r>
+          </a:p>
+          <a:p>
+            <a:r>
+              <a:rPr lang="en-US" sz="2400" dirty="0"/>
+              <a:t>You don’t have to install it if you don’t want to, but it might help for following along.</a:t>
+            </a:r>
+          </a:p>
+          <a:p>
+            <a:r>
+              <a:rPr lang="en-US" sz="2400" dirty="0"/>
+              <a:t>You can either install it from their website </a:t>
+            </a:r>
+            <a:r>
+              <a:rPr lang="en-US" sz="2400" dirty="0">
+                <a:hlinkClick r:id="rId2"/>
+              </a:rPr>
+              <a:t>https://www.mono-project.com/download/stable/</a:t>
+            </a:r>
+            <a:endParaRPr lang="en-US" sz="2400" dirty="0"/>
+          </a:p>
+          <a:p>
+            <a:r>
+              <a:rPr lang="en-US" sz="2400" dirty="0"/>
+              <a:t>Or via terminal…</a:t>
+            </a:r>
+          </a:p>
+        </p:txBody>
+      </p:sp>
+    </p:spTree>
+    <p:extLst>
+      <p:ext uri="{BB962C8B-B14F-4D97-AF65-F5344CB8AC3E}">
+        <p14:creationId xmlns:p14="http://schemas.microsoft.com/office/powerpoint/2010/main" val="3506366077"/>
+      </p:ext>
+    </p:extLst>
+  </p:cSld>
+  <p:clrMapOvr>
+    <a:masterClrMapping/>
+  </p:clrMapOvr>
+</p:sld>
+</file>
+
+<file path=ppt/slides/slide11.xml><?xml version="1.0" encoding="utf-8"?>
+<p:sld xmlns:a="http://schemas.openxmlformats.org/drawingml/2006/main" xmlns:r="http://schemas.openxmlformats.org/officeDocument/2006/relationships" xmlns:p="http://schemas.openxmlformats.org/presentationml/2006/main">
+  <p:cSld>
+    <p:bg>
+      <p:bgPr>
+        <a:solidFill>
+          <a:schemeClr val="bg1"/>
+        </a:solidFill>
+        <a:effectLst/>
+      </p:bgPr>
+    </p:bg>
+    <p:spTree>
+      <p:nvGrpSpPr>
+        <p:cNvPr id="1" name=""/>
+        <p:cNvGrpSpPr/>
+        <p:nvPr/>
+      </p:nvGrpSpPr>
+      <p:grpSpPr>
+        <a:xfrm>
+          <a:off x="0" y="0"/>
+          <a:ext cx="0" cy="0"/>
+          <a:chOff x="0" y="0"/>
+          <a:chExt cx="0" cy="0"/>
+        </a:xfrm>
+      </p:grpSpPr>
+      <p:sp>
+        <p:nvSpPr>
+          <p:cNvPr id="8" name="Rectangle 7">
+            <a:extLst>
+              <a:ext uri="{FF2B5EF4-FFF2-40B4-BE49-F238E27FC236}">
+                <a16:creationId xmlns:a16="http://schemas.microsoft.com/office/drawing/2014/main" id="{8D70B121-56F4-4848-B38B-182089D909FA}"/>
+              </a:ext>
+              <a:ext uri="{C183D7F6-B498-43B3-948B-1728B52AA6E4}">
+                <adec:decorative xmlns:adec="http://schemas.microsoft.com/office/drawing/2017/decorative" val="1"/>
+              </a:ext>
+            </a:extLst>
+          </p:cNvPr>
+          <p:cNvSpPr>
+            <a:spLocks noGrp="1" noRot="1" noChangeAspect="1" noMove="1" noResize="1" noEditPoints="1" noAdjustHandles="1" noChangeArrowheads="1" noChangeShapeType="1" noTextEdit="1"/>
+          </p:cNvSpPr>
+          <p:nvPr>
+            <p:extLst>
+              <p:ext uri="{386F3935-93C4-4BCD-93E2-E3B085C9AB24}">
+                <p16:designElem xmlns:p16="http://schemas.microsoft.com/office/powerpoint/2015/main" val="1"/>
+              </p:ext>
+            </p:extLst>
+          </p:nvPr>
+        </p:nvSpPr>
+        <p:spPr bwMode="ltGray">
+          <a:xfrm>
+            <a:off x="321564" y="320040"/>
+            <a:ext cx="11548872" cy="6217920"/>
+          </a:xfrm>
+          <a:prstGeom prst="rect">
+            <a:avLst/>
+          </a:prstGeom>
+          <a:solidFill>
+            <a:schemeClr val="tx1">
+              <a:alpha val="8000"/>
+            </a:schemeClr>
+          </a:solidFill>
+          <a:ln w="127000" cap="sq" cmpd="thinThick">
+            <a:noFill/>
+          </a:ln>
+        </p:spPr>
+        <p:style>
+          <a:lnRef idx="2">
+            <a:schemeClr val="accent1">
+              <a:shade val="50000"/>
+            </a:schemeClr>
+          </a:lnRef>
+          <a:fillRef idx="1">
+            <a:schemeClr val="accent1"/>
+          </a:fillRef>
+          <a:effectRef idx="0">
+            <a:schemeClr val="accent1"/>
+          </a:effectRef>
+          <a:fontRef idx="minor">
+            <a:schemeClr val="lt1"/>
+          </a:fontRef>
+        </p:style>
+        <p:txBody>
+          <a:bodyPr rtlCol="0" anchor="ctr"/>
+          <a:lstStyle/>
+          <a:p>
+            <a:pPr algn="ctr"/>
+            <a:endParaRPr lang="en-US"/>
+          </a:p>
+        </p:txBody>
+      </p:sp>
+      <p:sp>
+        <p:nvSpPr>
+          <p:cNvPr id="2" name="Title 1">
+            <a:extLst>
+              <a:ext uri="{FF2B5EF4-FFF2-40B4-BE49-F238E27FC236}">
+                <a16:creationId xmlns:a16="http://schemas.microsoft.com/office/drawing/2014/main" id="{88B50192-260F-4748-9BF0-31E7F70D799A}"/>
+              </a:ext>
+            </a:extLst>
+          </p:cNvPr>
+          <p:cNvSpPr>
+            <a:spLocks noGrp="1"/>
+          </p:cNvSpPr>
+          <p:nvPr>
+            <p:ph type="title"/>
+          </p:nvPr>
+        </p:nvSpPr>
+        <p:spPr>
+          <a:xfrm>
+            <a:off x="838200" y="963877"/>
+            <a:ext cx="3494362" cy="4930246"/>
+          </a:xfrm>
+        </p:spPr>
+        <p:txBody>
+          <a:bodyPr>
+            <a:normAutofit/>
+          </a:bodyPr>
+          <a:lstStyle/>
+          <a:p>
+            <a:pPr algn="r"/>
+            <a:r>
+              <a:rPr lang="en-US">
+                <a:solidFill>
+                  <a:schemeClr val="accent1"/>
+                </a:solidFill>
+              </a:rPr>
+              <a:t>Frameworks</a:t>
+            </a:r>
+          </a:p>
+        </p:txBody>
+      </p:sp>
+      <p:cxnSp>
+        <p:nvCxnSpPr>
+          <p:cNvPr id="10" name="Straight Connector 9">
+            <a:extLst>
+              <a:ext uri="{FF2B5EF4-FFF2-40B4-BE49-F238E27FC236}">
+                <a16:creationId xmlns:a16="http://schemas.microsoft.com/office/drawing/2014/main" id="{2D72A2C9-F3CA-4216-8BAD-FA4C970C3C4E}"/>
+              </a:ext>
+              <a:ext uri="{C183D7F6-B498-43B3-948B-1728B52AA6E4}">
+                <adec:decorative xmlns:adec="http://schemas.microsoft.com/office/drawing/2017/decorative" val="1"/>
+              </a:ext>
+            </a:extLst>
+          </p:cNvPr>
+          <p:cNvCxnSpPr>
+            <a:cxnSpLocks noGrp="1" noRot="1" noChangeAspect="1" noMove="1" noResize="1" noEditPoints="1" noAdjustHandles="1" noChangeArrowheads="1" noChangeShapeType="1"/>
+          </p:cNvCxnSpPr>
+          <p:nvPr>
+            <p:extLst>
+              <p:ext uri="{386F3935-93C4-4BCD-93E2-E3B085C9AB24}">
+                <p16:designElem xmlns:p16="http://schemas.microsoft.com/office/powerpoint/2015/main" val="1"/>
+              </p:ext>
+            </p:extLst>
+          </p:nvPr>
+        </p:nvCxnSpPr>
+        <p:spPr>
+          <a:xfrm>
+            <a:off x="4654296" y="2057400"/>
+            <a:ext cx="0" cy="2743200"/>
+          </a:xfrm>
+          <a:prstGeom prst="line">
+            <a:avLst/>
+          </a:prstGeom>
+          <a:ln w="19050">
+            <a:solidFill>
+              <a:schemeClr val="tx1">
+                <a:lumMod val="85000"/>
+                <a:lumOff val="15000"/>
+              </a:schemeClr>
+            </a:solidFill>
+          </a:ln>
+        </p:spPr>
+        <p:style>
+          <a:lnRef idx="1">
+            <a:schemeClr val="accent1"/>
+          </a:lnRef>
+          <a:fillRef idx="0">
+            <a:schemeClr val="accent1"/>
+          </a:fillRef>
+          <a:effectRef idx="0">
+            <a:schemeClr val="accent1"/>
+          </a:effectRef>
+          <a:fontRef idx="minor">
+            <a:schemeClr val="tx1"/>
+          </a:fontRef>
+        </p:style>
+      </p:cxnSp>
+      <p:sp>
+        <p:nvSpPr>
+          <p:cNvPr id="3" name="Content Placeholder 2">
+            <a:extLst>
+              <a:ext uri="{FF2B5EF4-FFF2-40B4-BE49-F238E27FC236}">
+                <a16:creationId xmlns:a16="http://schemas.microsoft.com/office/drawing/2014/main" id="{C3C57360-5903-DF48-9939-2D9A5C56F313}"/>
+              </a:ext>
+            </a:extLst>
+          </p:cNvPr>
+          <p:cNvSpPr>
+            <a:spLocks noGrp="1"/>
+          </p:cNvSpPr>
+          <p:nvPr>
+            <p:ph idx="1"/>
+          </p:nvPr>
+        </p:nvSpPr>
+        <p:spPr>
+          <a:xfrm>
+            <a:off x="4976031" y="963877"/>
+            <a:ext cx="6377769" cy="4930246"/>
+          </a:xfrm>
+        </p:spPr>
+        <p:txBody>
+          <a:bodyPr anchor="ctr">
+            <a:normAutofit/>
+          </a:bodyPr>
+          <a:lstStyle/>
+          <a:p>
+            <a:r>
+              <a:rPr lang="en-US" sz="2400" dirty="0"/>
+              <a:t>Xamarin</a:t>
+            </a:r>
+          </a:p>
+          <a:p>
+            <a:r>
+              <a:rPr lang="en-US" sz="2400" dirty="0"/>
+              <a:t>Unity</a:t>
+            </a:r>
+          </a:p>
+          <a:p>
+            <a:r>
+              <a:rPr lang="en-US" sz="2400" dirty="0" err="1"/>
+              <a:t>MonoGame</a:t>
+            </a:r>
+            <a:endParaRPr lang="en-US" sz="2400" dirty="0"/>
+          </a:p>
+          <a:p>
+            <a:r>
+              <a:rPr lang="en-US" sz="2400" dirty="0"/>
+              <a:t>…and many more</a:t>
+            </a:r>
+          </a:p>
+        </p:txBody>
+      </p:sp>
+    </p:spTree>
+    <p:extLst>
+      <p:ext uri="{BB962C8B-B14F-4D97-AF65-F5344CB8AC3E}">
+        <p14:creationId xmlns:p14="http://schemas.microsoft.com/office/powerpoint/2010/main" val="3963725430"/>
+      </p:ext>
+    </p:extLst>
+  </p:cSld>
+  <p:clrMapOvr>
+    <a:masterClrMapping/>
+  </p:clrMapOvr>
+</p:sld>
+</file>
+
+<file path=ppt/slides/slide12.xml><?xml version="1.0" encoding="utf-8"?>
 <p:sld xmlns:a="http://schemas.openxmlformats.org/drawingml/2006/main" xmlns:r="http://schemas.openxmlformats.org/officeDocument/2006/relationships" xmlns:p="http://schemas.openxmlformats.org/presentationml/2006/main">
   <p:cSld>
     <p:bg>
@@ -11137,27 +11655,25 @@
               <a:buNone/>
             </a:pPr>
             <a:r>
-              <a:rPr lang="en-US" sz="2000" kern="1200" dirty="0" err="1">
+              <a:rPr lang="en-US" sz="2000" dirty="0">
                 <a:solidFill>
-                  <a:srgbClr val="FFFFFF"/>
+                  <a:schemeClr val="bg1"/>
                 </a:solidFill>
-                <a:latin typeface="+mn-lt"/>
-                <a:ea typeface="+mn-ea"/>
-                <a:cs typeface="+mn-cs"/>
+                <a:hlinkClick r:id="rId2">
+                  <a:extLst>
+                    <a:ext uri="{A12FA001-AC4F-418D-AE19-62706E023703}">
+                      <ahyp:hlinkClr xmlns:ahyp="http://schemas.microsoft.com/office/drawing/2018/hyperlinkcolor" val="tx"/>
+                    </a:ext>
+                  </a:extLst>
+                </a:hlinkClick>
               </a:rPr>
-              <a:t>Github</a:t>
+              <a:t>https://github.com/snauman817/csharp-presentation</a:t>
             </a:r>
-            <a:r>
-              <a:rPr lang="en-US" sz="2000" kern="1200" dirty="0">
-                <a:solidFill>
-                  <a:srgbClr val="FFFFFF"/>
-                </a:solidFill>
-                <a:latin typeface="+mn-lt"/>
-                <a:ea typeface="+mn-ea"/>
-                <a:cs typeface="+mn-cs"/>
-              </a:rPr>
-              <a:t> link here</a:t>
-            </a:r>
+            <a:endParaRPr lang="en-US" sz="2000" kern="1200" dirty="0">
+              <a:solidFill>
+                <a:schemeClr val="bg1"/>
+              </a:solidFill>
+            </a:endParaRPr>
           </a:p>
         </p:txBody>
       </p:sp>
